--- a/DiaryLog/Week8.pptx
+++ b/DiaryLog/Week8.pptx
@@ -7,11 +7,13 @@
   <p:sldIdLst>
     <p:sldId id="256" r:id="rId2"/>
     <p:sldId id="257" r:id="rId3"/>
-    <p:sldId id="258" r:id="rId4"/>
-    <p:sldId id="259" r:id="rId5"/>
-    <p:sldId id="260" r:id="rId6"/>
-    <p:sldId id="261" r:id="rId7"/>
-    <p:sldId id="262" r:id="rId8"/>
+    <p:sldId id="264" r:id="rId4"/>
+    <p:sldId id="258" r:id="rId5"/>
+    <p:sldId id="259" r:id="rId6"/>
+    <p:sldId id="260" r:id="rId7"/>
+    <p:sldId id="261" r:id="rId8"/>
+    <p:sldId id="262" r:id="rId9"/>
+    <p:sldId id="263" r:id="rId10"/>
   </p:sldIdLst>
   <p:sldSz cx="12192000" cy="6858000"/>
   <p:notesSz cx="6858000" cy="9144000"/>
@@ -267,7 +269,7 @@
           <a:p>
             <a:fld id="{F71F4D61-30A5-4471-B941-D9622314398E}" type="datetimeFigureOut">
               <a:rPr lang="zh-CN" altLang="en-US" smtClean="0"/>
-              <a:t>2022/10/25</a:t>
+              <a:t>2022/10/26</a:t>
             </a:fld>
             <a:endParaRPr lang="zh-CN" altLang="en-US"/>
           </a:p>
@@ -467,7 +469,7 @@
           <a:p>
             <a:fld id="{F71F4D61-30A5-4471-B941-D9622314398E}" type="datetimeFigureOut">
               <a:rPr lang="zh-CN" altLang="en-US" smtClean="0"/>
-              <a:t>2022/10/25</a:t>
+              <a:t>2022/10/26</a:t>
             </a:fld>
             <a:endParaRPr lang="zh-CN" altLang="en-US"/>
           </a:p>
@@ -677,7 +679,7 @@
           <a:p>
             <a:fld id="{F71F4D61-30A5-4471-B941-D9622314398E}" type="datetimeFigureOut">
               <a:rPr lang="zh-CN" altLang="en-US" smtClean="0"/>
-              <a:t>2022/10/25</a:t>
+              <a:t>2022/10/26</a:t>
             </a:fld>
             <a:endParaRPr lang="zh-CN" altLang="en-US"/>
           </a:p>
@@ -877,7 +879,7 @@
           <a:p>
             <a:fld id="{F71F4D61-30A5-4471-B941-D9622314398E}" type="datetimeFigureOut">
               <a:rPr lang="zh-CN" altLang="en-US" smtClean="0"/>
-              <a:t>2022/10/25</a:t>
+              <a:t>2022/10/26</a:t>
             </a:fld>
             <a:endParaRPr lang="zh-CN" altLang="en-US"/>
           </a:p>
@@ -1153,7 +1155,7 @@
           <a:p>
             <a:fld id="{F71F4D61-30A5-4471-B941-D9622314398E}" type="datetimeFigureOut">
               <a:rPr lang="zh-CN" altLang="en-US" smtClean="0"/>
-              <a:t>2022/10/25</a:t>
+              <a:t>2022/10/26</a:t>
             </a:fld>
             <a:endParaRPr lang="zh-CN" altLang="en-US"/>
           </a:p>
@@ -1421,7 +1423,7 @@
           <a:p>
             <a:fld id="{F71F4D61-30A5-4471-B941-D9622314398E}" type="datetimeFigureOut">
               <a:rPr lang="zh-CN" altLang="en-US" smtClean="0"/>
-              <a:t>2022/10/25</a:t>
+              <a:t>2022/10/26</a:t>
             </a:fld>
             <a:endParaRPr lang="zh-CN" altLang="en-US"/>
           </a:p>
@@ -1836,7 +1838,7 @@
           <a:p>
             <a:fld id="{F71F4D61-30A5-4471-B941-D9622314398E}" type="datetimeFigureOut">
               <a:rPr lang="zh-CN" altLang="en-US" smtClean="0"/>
-              <a:t>2022/10/25</a:t>
+              <a:t>2022/10/26</a:t>
             </a:fld>
             <a:endParaRPr lang="zh-CN" altLang="en-US"/>
           </a:p>
@@ -1978,7 +1980,7 @@
           <a:p>
             <a:fld id="{F71F4D61-30A5-4471-B941-D9622314398E}" type="datetimeFigureOut">
               <a:rPr lang="zh-CN" altLang="en-US" smtClean="0"/>
-              <a:t>2022/10/25</a:t>
+              <a:t>2022/10/26</a:t>
             </a:fld>
             <a:endParaRPr lang="zh-CN" altLang="en-US"/>
           </a:p>
@@ -2091,7 +2093,7 @@
           <a:p>
             <a:fld id="{F71F4D61-30A5-4471-B941-D9622314398E}" type="datetimeFigureOut">
               <a:rPr lang="zh-CN" altLang="en-US" smtClean="0"/>
-              <a:t>2022/10/25</a:t>
+              <a:t>2022/10/26</a:t>
             </a:fld>
             <a:endParaRPr lang="zh-CN" altLang="en-US"/>
           </a:p>
@@ -2404,7 +2406,7 @@
           <a:p>
             <a:fld id="{F71F4D61-30A5-4471-B941-D9622314398E}" type="datetimeFigureOut">
               <a:rPr lang="zh-CN" altLang="en-US" smtClean="0"/>
-              <a:t>2022/10/25</a:t>
+              <a:t>2022/10/26</a:t>
             </a:fld>
             <a:endParaRPr lang="zh-CN" altLang="en-US"/>
           </a:p>
@@ -2693,7 +2695,7 @@
           <a:p>
             <a:fld id="{F71F4D61-30A5-4471-B941-D9622314398E}" type="datetimeFigureOut">
               <a:rPr lang="zh-CN" altLang="en-US" smtClean="0"/>
-              <a:t>2022/10/25</a:t>
+              <a:t>2022/10/26</a:t>
             </a:fld>
             <a:endParaRPr lang="zh-CN" altLang="en-US"/>
           </a:p>
@@ -2936,7 +2938,7 @@
           <a:p>
             <a:fld id="{F71F4D61-30A5-4471-B941-D9622314398E}" type="datetimeFigureOut">
               <a:rPr lang="zh-CN" altLang="en-US" smtClean="0"/>
-              <a:t>2022/10/25</a:t>
+              <a:t>2022/10/26</a:t>
             </a:fld>
             <a:endParaRPr lang="zh-CN" altLang="en-US"/>
           </a:p>
@@ -3696,14 +3698,6 @@
 <file path=ppt/slides/slide3.xml><?xml version="1.0" encoding="utf-8"?>
 <p:sld xmlns:a="http://schemas.openxmlformats.org/drawingml/2006/main" xmlns:r="http://schemas.openxmlformats.org/officeDocument/2006/relationships" xmlns:p="http://schemas.openxmlformats.org/presentationml/2006/main">
   <p:cSld>
-    <p:bg>
-      <p:bgPr>
-        <a:solidFill>
-          <a:schemeClr val="bg1"/>
-        </a:solidFill>
-        <a:effectLst/>
-      </p:bgPr>
-    </p:bg>
     <p:spTree>
       <p:nvGrpSpPr>
         <p:cNvPr id="1" name=""/>
@@ -3718,121 +3712,21 @@
           <a:chExt cx="0" cy="0"/>
         </a:xfrm>
       </p:grpSpPr>
-      <p:sp useBgFill="1">
-        <p:nvSpPr>
-          <p:cNvPr id="20" name="Rectangle 19">
-            <a:extLst>
-              <a:ext uri="{FF2B5EF4-FFF2-40B4-BE49-F238E27FC236}">
-                <a16:creationId xmlns:a16="http://schemas.microsoft.com/office/drawing/2014/main" id="{33E72FA3-BD00-444A-AD9B-E6C3D069CDE3}"/>
-              </a:ext>
-              <a:ext uri="{C183D7F6-B498-43B3-948B-1728B52AA6E4}">
-                <adec:decorative xmlns:adec="http://schemas.microsoft.com/office/drawing/2017/decorative" val="1"/>
-              </a:ext>
-            </a:extLst>
-          </p:cNvPr>
-          <p:cNvSpPr>
-            <a:spLocks noGrp="1" noRot="1" noChangeAspect="1" noMove="1" noResize="1" noEditPoints="1" noAdjustHandles="1" noChangeArrowheads="1" noChangeShapeType="1" noTextEdit="1"/>
-          </p:cNvSpPr>
-          <p:nvPr>
-            <p:extLst>
-              <p:ext uri="{386F3935-93C4-4BCD-93E2-E3B085C9AB24}">
-                <p16:designElem xmlns:p16="http://schemas.microsoft.com/office/powerpoint/2015/main" val="1"/>
-              </p:ext>
-            </p:extLst>
-          </p:nvPr>
-        </p:nvSpPr>
-        <p:spPr>
-          <a:xfrm>
-            <a:off x="-50801" y="0"/>
-            <a:ext cx="12188952" cy="6858000"/>
-          </a:xfrm>
-          <a:prstGeom prst="rect">
-            <a:avLst/>
-          </a:prstGeom>
-          <a:ln>
-            <a:noFill/>
-          </a:ln>
-        </p:spPr>
-        <p:style>
-          <a:lnRef idx="2">
-            <a:schemeClr val="accent1">
-              <a:shade val="50000"/>
-            </a:schemeClr>
-          </a:lnRef>
-          <a:fillRef idx="1">
-            <a:schemeClr val="accent1"/>
-          </a:fillRef>
-          <a:effectRef idx="0">
-            <a:schemeClr val="accent1"/>
-          </a:effectRef>
-          <a:fontRef idx="minor">
-            <a:schemeClr val="lt1"/>
-          </a:fontRef>
-        </p:style>
-        <p:txBody>
-          <a:bodyPr rtlCol="0" anchor="ctr"/>
-          <a:lstStyle/>
-          <a:p>
-            <a:pPr algn="ctr"/>
-            <a:endParaRPr lang="en-US"/>
-          </a:p>
-        </p:txBody>
-      </p:sp>
-      <p:sp>
-        <p:nvSpPr>
-          <p:cNvPr id="2" name="Title 1">
-            <a:extLst>
-              <a:ext uri="{FF2B5EF4-FFF2-40B4-BE49-F238E27FC236}">
-                <a16:creationId xmlns:a16="http://schemas.microsoft.com/office/drawing/2014/main" id="{69E55165-D9E1-20E9-FEDC-39FB377484E7}"/>
-              </a:ext>
-            </a:extLst>
-          </p:cNvPr>
-          <p:cNvSpPr>
-            <a:spLocks noGrp="1"/>
-          </p:cNvSpPr>
-          <p:nvPr>
-            <p:ph type="title"/>
-          </p:nvPr>
-        </p:nvSpPr>
-        <p:spPr>
-          <a:xfrm>
-            <a:off x="838200" y="557189"/>
-            <a:ext cx="10515600" cy="1110537"/>
-          </a:xfrm>
-        </p:spPr>
-        <p:txBody>
-          <a:bodyPr vert="horz" lIns="91440" tIns="45720" rIns="91440" bIns="45720" rtlCol="0" anchor="ctr">
-            <a:normAutofit/>
-          </a:bodyPr>
-          <a:lstStyle/>
-          <a:p>
-            <a:r>
-              <a:rPr lang="en-US" altLang="zh-CN" sz="5200" kern="1200" dirty="0">
-                <a:solidFill>
-                  <a:schemeClr val="tx1"/>
-                </a:solidFill>
-                <a:latin typeface="+mj-lt"/>
-                <a:ea typeface="+mj-ea"/>
-                <a:cs typeface="+mj-cs"/>
-              </a:rPr>
-              <a:t>S704L</a:t>
-            </a:r>
-          </a:p>
-        </p:txBody>
-      </p:sp>
       <p:pic>
         <p:nvPicPr>
-          <p:cNvPr id="5" name="Picture 4" descr="Chart, scatter chart&#10;&#10;Description automatically generated">
-            <a:extLst>
-              <a:ext uri="{FF2B5EF4-FFF2-40B4-BE49-F238E27FC236}">
-                <a16:creationId xmlns:a16="http://schemas.microsoft.com/office/drawing/2014/main" id="{487E006C-34B5-F57C-B3E4-1C19CFD39A94}"/>
+          <p:cNvPr id="5" name="Content Placeholder 4" descr="Chart&#10;&#10;Description automatically generated">
+            <a:extLst>
+              <a:ext uri="{FF2B5EF4-FFF2-40B4-BE49-F238E27FC236}">
+                <a16:creationId xmlns:a16="http://schemas.microsoft.com/office/drawing/2014/main" id="{2BC0BCA4-29A0-76BA-FB6A-95B929CB751C}"/>
               </a:ext>
             </a:extLst>
           </p:cNvPr>
           <p:cNvPicPr>
-            <a:picLocks noChangeAspect="1"/>
+            <a:picLocks noGrp="1" noChangeAspect="1"/>
           </p:cNvPicPr>
-          <p:nvPr/>
+          <p:nvPr>
+            <p:ph idx="1"/>
+          </p:nvPr>
         </p:nvPicPr>
         <p:blipFill>
           <a:blip r:embed="rId2">
@@ -3848,245 +3742,15 @@
         </p:blipFill>
         <p:spPr>
           <a:xfrm>
-            <a:off x="4355806" y="1765882"/>
-            <a:ext cx="3516199" cy="2056976"/>
+            <a:off x="2370683" y="1363014"/>
+            <a:ext cx="7106015" cy="3676839"/>
           </a:xfrm>
-          <a:prstGeom prst="rect">
-            <a:avLst/>
-          </a:prstGeom>
         </p:spPr>
       </p:pic>
-      <p:pic>
-        <p:nvPicPr>
-          <p:cNvPr id="15" name="Picture 14" descr="Chart, scatter chart&#10;&#10;Description automatically generated">
-            <a:extLst>
-              <a:ext uri="{FF2B5EF4-FFF2-40B4-BE49-F238E27FC236}">
-                <a16:creationId xmlns:a16="http://schemas.microsoft.com/office/drawing/2014/main" id="{F8874DD1-2602-28C6-DB33-B66276DDA3D9}"/>
-              </a:ext>
-            </a:extLst>
-          </p:cNvPr>
-          <p:cNvPicPr>
-            <a:picLocks noChangeAspect="1"/>
-          </p:cNvPicPr>
-          <p:nvPr/>
-        </p:nvPicPr>
-        <p:blipFill>
-          <a:blip r:embed="rId3">
-            <a:extLst>
-              <a:ext uri="{28A0092B-C50C-407E-A947-70E740481C1C}">
-                <a14:useLocalDpi xmlns:a14="http://schemas.microsoft.com/office/drawing/2010/main" val="0"/>
-              </a:ext>
-            </a:extLst>
-          </a:blip>
-          <a:stretch>
-            <a:fillRect/>
-          </a:stretch>
-        </p:blipFill>
-        <p:spPr>
-          <a:xfrm>
-            <a:off x="352194" y="1834939"/>
-            <a:ext cx="3516199" cy="2056976"/>
-          </a:xfrm>
-          <a:prstGeom prst="rect">
-            <a:avLst/>
-          </a:prstGeom>
-        </p:spPr>
-      </p:pic>
-      <p:pic>
-        <p:nvPicPr>
-          <p:cNvPr id="7" name="Picture 6" descr="Chart, scatter chart&#10;&#10;Description automatically generated">
-            <a:extLst>
-              <a:ext uri="{FF2B5EF4-FFF2-40B4-BE49-F238E27FC236}">
-                <a16:creationId xmlns:a16="http://schemas.microsoft.com/office/drawing/2014/main" id="{E89BDCE6-5B1B-76FC-F42C-1BB83F391948}"/>
-              </a:ext>
-            </a:extLst>
-          </p:cNvPr>
-          <p:cNvPicPr>
-            <a:picLocks noChangeAspect="1"/>
-          </p:cNvPicPr>
-          <p:nvPr/>
-        </p:nvPicPr>
-        <p:blipFill>
-          <a:blip r:embed="rId4">
-            <a:extLst>
-              <a:ext uri="{28A0092B-C50C-407E-A947-70E740481C1C}">
-                <a14:useLocalDpi xmlns:a14="http://schemas.microsoft.com/office/drawing/2010/main" val="0"/>
-              </a:ext>
-            </a:extLst>
-          </a:blip>
-          <a:stretch>
-            <a:fillRect/>
-          </a:stretch>
-        </p:blipFill>
-        <p:spPr>
-          <a:xfrm>
-            <a:off x="377668" y="4063630"/>
-            <a:ext cx="3531290" cy="2056976"/>
-          </a:xfrm>
-          <a:prstGeom prst="rect">
-            <a:avLst/>
-          </a:prstGeom>
-        </p:spPr>
-      </p:pic>
-      <p:pic>
-        <p:nvPicPr>
-          <p:cNvPr id="11" name="Picture 10" descr="Chart, scatter chart&#10;&#10;Description automatically generated">
-            <a:extLst>
-              <a:ext uri="{FF2B5EF4-FFF2-40B4-BE49-F238E27FC236}">
-                <a16:creationId xmlns:a16="http://schemas.microsoft.com/office/drawing/2014/main" id="{53EFE505-6F72-C2A7-7C55-EDB11AAE4282}"/>
-              </a:ext>
-            </a:extLst>
-          </p:cNvPr>
-          <p:cNvPicPr>
-            <a:picLocks noChangeAspect="1"/>
-          </p:cNvPicPr>
-          <p:nvPr/>
-        </p:nvPicPr>
-        <p:blipFill>
-          <a:blip r:embed="rId5">
-            <a:extLst>
-              <a:ext uri="{28A0092B-C50C-407E-A947-70E740481C1C}">
-                <a14:useLocalDpi xmlns:a14="http://schemas.microsoft.com/office/drawing/2010/main" val="0"/>
-              </a:ext>
-            </a:extLst>
-          </a:blip>
-          <a:stretch>
-            <a:fillRect/>
-          </a:stretch>
-        </p:blipFill>
-        <p:spPr>
-          <a:xfrm>
-            <a:off x="8323609" y="1834939"/>
-            <a:ext cx="3546510" cy="2056976"/>
-          </a:xfrm>
-          <a:prstGeom prst="rect">
-            <a:avLst/>
-          </a:prstGeom>
-        </p:spPr>
-      </p:pic>
-      <p:pic>
-        <p:nvPicPr>
-          <p:cNvPr id="13" name="Picture 12" descr="Table&#10;&#10;Description automatically generated with low confidence">
-            <a:extLst>
-              <a:ext uri="{FF2B5EF4-FFF2-40B4-BE49-F238E27FC236}">
-                <a16:creationId xmlns:a16="http://schemas.microsoft.com/office/drawing/2014/main" id="{87F58422-474D-4051-4BCE-237B3EEF1E6D}"/>
-              </a:ext>
-            </a:extLst>
-          </p:cNvPr>
-          <p:cNvPicPr>
-            <a:picLocks noChangeAspect="1"/>
-          </p:cNvPicPr>
-          <p:nvPr/>
-        </p:nvPicPr>
-        <p:blipFill>
-          <a:blip r:embed="rId6">
-            <a:extLst>
-              <a:ext uri="{28A0092B-C50C-407E-A947-70E740481C1C}">
-                <a14:useLocalDpi xmlns:a14="http://schemas.microsoft.com/office/drawing/2010/main" val="0"/>
-              </a:ext>
-            </a:extLst>
-          </a:blip>
-          <a:stretch>
-            <a:fillRect/>
-          </a:stretch>
-        </p:blipFill>
-        <p:spPr>
-          <a:xfrm>
-            <a:off x="8315932" y="4169943"/>
-            <a:ext cx="3561864" cy="2056976"/>
-          </a:xfrm>
-          <a:prstGeom prst="rect">
-            <a:avLst/>
-          </a:prstGeom>
-        </p:spPr>
-      </p:pic>
-      <p:pic>
-        <p:nvPicPr>
-          <p:cNvPr id="9" name="Picture 8" descr="A picture containing text, outdoor&#10;&#10;Description automatically generated">
-            <a:extLst>
-              <a:ext uri="{FF2B5EF4-FFF2-40B4-BE49-F238E27FC236}">
-                <a16:creationId xmlns:a16="http://schemas.microsoft.com/office/drawing/2014/main" id="{F316ADBA-4B3E-B972-1D7A-D44455710E40}"/>
-              </a:ext>
-            </a:extLst>
-          </p:cNvPr>
-          <p:cNvPicPr>
-            <a:picLocks noChangeAspect="1"/>
-          </p:cNvPicPr>
-          <p:nvPr/>
-        </p:nvPicPr>
-        <p:blipFill>
-          <a:blip r:embed="rId7">
-            <a:extLst>
-              <a:ext uri="{28A0092B-C50C-407E-A947-70E740481C1C}">
-                <a14:useLocalDpi xmlns:a14="http://schemas.microsoft.com/office/drawing/2010/main" val="0"/>
-              </a:ext>
-            </a:extLst>
-          </a:blip>
-          <a:stretch>
-            <a:fillRect/>
-          </a:stretch>
-        </p:blipFill>
-        <p:spPr>
-          <a:xfrm>
-            <a:off x="4355806" y="4063630"/>
-            <a:ext cx="3561864" cy="2056976"/>
-          </a:xfrm>
-          <a:prstGeom prst="rect">
-            <a:avLst/>
-          </a:prstGeom>
-        </p:spPr>
-      </p:pic>
-      <p:sp>
-        <p:nvSpPr>
-          <p:cNvPr id="16" name="TextBox 15">
-            <a:extLst>
-              <a:ext uri="{FF2B5EF4-FFF2-40B4-BE49-F238E27FC236}">
-                <a16:creationId xmlns:a16="http://schemas.microsoft.com/office/drawing/2014/main" id="{D2482F5A-835A-F5B2-0F55-E8228AD9662F}"/>
-              </a:ext>
-            </a:extLst>
-          </p:cNvPr>
-          <p:cNvSpPr txBox="1"/>
-          <p:nvPr/>
-        </p:nvSpPr>
-        <p:spPr>
-          <a:xfrm>
-            <a:off x="2867236" y="837244"/>
-            <a:ext cx="5620630" cy="646331"/>
-          </a:xfrm>
-          <a:prstGeom prst="rect">
-            <a:avLst/>
-          </a:prstGeom>
-          <a:noFill/>
-        </p:spPr>
-        <p:txBody>
-          <a:bodyPr wrap="square" rtlCol="0">
-            <a:spAutoFit/>
-          </a:bodyPr>
-          <a:lstStyle/>
-          <a:p>
-            <a:r>
-              <a:rPr lang="en-US" altLang="zh-CN" b="0" i="0" dirty="0">
-                <a:effectLst/>
-                <a:latin typeface="-apple-system"/>
-              </a:rPr>
-              <a:t>Only BA.4 does not have S704L mutation.</a:t>
-            </a:r>
-          </a:p>
-          <a:p>
-            <a:r>
-              <a:rPr lang="en-US" altLang="zh-CN" dirty="0">
-                <a:latin typeface="-apple-system"/>
-              </a:rPr>
-              <a:t>Different clades have same mutation -&gt; convergence</a:t>
-            </a:r>
-            <a:endParaRPr lang="zh-CN" altLang="en-US" dirty="0"/>
-          </a:p>
-        </p:txBody>
-      </p:sp>
     </p:spTree>
     <p:extLst>
       <p:ext uri="{BB962C8B-B14F-4D97-AF65-F5344CB8AC3E}">
-        <p14:creationId xmlns:p14="http://schemas.microsoft.com/office/powerpoint/2010/main" val="1274615910"/>
+        <p14:creationId xmlns:p14="http://schemas.microsoft.com/office/powerpoint/2010/main" val="3511427652"/>
       </p:ext>
     </p:extLst>
   </p:cSld>
@@ -4186,6 +3850,409 @@
           <p:cNvPr id="2" name="Title 1">
             <a:extLst>
               <a:ext uri="{FF2B5EF4-FFF2-40B4-BE49-F238E27FC236}">
+                <a16:creationId xmlns:a16="http://schemas.microsoft.com/office/drawing/2014/main" id="{69E55165-D9E1-20E9-FEDC-39FB377484E7}"/>
+              </a:ext>
+            </a:extLst>
+          </p:cNvPr>
+          <p:cNvSpPr>
+            <a:spLocks noGrp="1"/>
+          </p:cNvSpPr>
+          <p:nvPr>
+            <p:ph type="title"/>
+          </p:nvPr>
+        </p:nvSpPr>
+        <p:spPr>
+          <a:xfrm>
+            <a:off x="838200" y="557189"/>
+            <a:ext cx="10515600" cy="1110537"/>
+          </a:xfrm>
+        </p:spPr>
+        <p:txBody>
+          <a:bodyPr vert="horz" lIns="91440" tIns="45720" rIns="91440" bIns="45720" rtlCol="0" anchor="ctr">
+            <a:normAutofit/>
+          </a:bodyPr>
+          <a:lstStyle/>
+          <a:p>
+            <a:r>
+              <a:rPr lang="en-US" altLang="zh-CN" sz="5200" kern="1200" dirty="0">
+                <a:solidFill>
+                  <a:schemeClr val="tx1"/>
+                </a:solidFill>
+                <a:latin typeface="+mj-lt"/>
+                <a:ea typeface="+mj-ea"/>
+                <a:cs typeface="+mj-cs"/>
+              </a:rPr>
+              <a:t>S704L</a:t>
+            </a:r>
+          </a:p>
+        </p:txBody>
+      </p:sp>
+      <p:pic>
+        <p:nvPicPr>
+          <p:cNvPr id="5" name="Picture 4" descr="Chart, scatter chart&#10;&#10;Description automatically generated">
+            <a:extLst>
+              <a:ext uri="{FF2B5EF4-FFF2-40B4-BE49-F238E27FC236}">
+                <a16:creationId xmlns:a16="http://schemas.microsoft.com/office/drawing/2014/main" id="{487E006C-34B5-F57C-B3E4-1C19CFD39A94}"/>
+              </a:ext>
+            </a:extLst>
+          </p:cNvPr>
+          <p:cNvPicPr>
+            <a:picLocks noChangeAspect="1"/>
+          </p:cNvPicPr>
+          <p:nvPr/>
+        </p:nvPicPr>
+        <p:blipFill>
+          <a:blip r:embed="rId2">
+            <a:extLst>
+              <a:ext uri="{28A0092B-C50C-407E-A947-70E740481C1C}">
+                <a14:useLocalDpi xmlns:a14="http://schemas.microsoft.com/office/drawing/2010/main" val="0"/>
+              </a:ext>
+            </a:extLst>
+          </a:blip>
+          <a:stretch>
+            <a:fillRect/>
+          </a:stretch>
+        </p:blipFill>
+        <p:spPr>
+          <a:xfrm>
+            <a:off x="4355806" y="1765882"/>
+            <a:ext cx="3516199" cy="2056976"/>
+          </a:xfrm>
+          <a:prstGeom prst="rect">
+            <a:avLst/>
+          </a:prstGeom>
+        </p:spPr>
+      </p:pic>
+      <p:pic>
+        <p:nvPicPr>
+          <p:cNvPr id="15" name="Picture 14" descr="Chart, scatter chart&#10;&#10;Description automatically generated">
+            <a:extLst>
+              <a:ext uri="{FF2B5EF4-FFF2-40B4-BE49-F238E27FC236}">
+                <a16:creationId xmlns:a16="http://schemas.microsoft.com/office/drawing/2014/main" id="{F8874DD1-2602-28C6-DB33-B66276DDA3D9}"/>
+              </a:ext>
+            </a:extLst>
+          </p:cNvPr>
+          <p:cNvPicPr>
+            <a:picLocks noChangeAspect="1"/>
+          </p:cNvPicPr>
+          <p:nvPr/>
+        </p:nvPicPr>
+        <p:blipFill>
+          <a:blip r:embed="rId3">
+            <a:extLst>
+              <a:ext uri="{28A0092B-C50C-407E-A947-70E740481C1C}">
+                <a14:useLocalDpi xmlns:a14="http://schemas.microsoft.com/office/drawing/2010/main" val="0"/>
+              </a:ext>
+            </a:extLst>
+          </a:blip>
+          <a:stretch>
+            <a:fillRect/>
+          </a:stretch>
+        </p:blipFill>
+        <p:spPr>
+          <a:xfrm>
+            <a:off x="352194" y="1834939"/>
+            <a:ext cx="3516199" cy="2056976"/>
+          </a:xfrm>
+          <a:prstGeom prst="rect">
+            <a:avLst/>
+          </a:prstGeom>
+        </p:spPr>
+      </p:pic>
+      <p:pic>
+        <p:nvPicPr>
+          <p:cNvPr id="7" name="Picture 6" descr="Chart, scatter chart&#10;&#10;Description automatically generated">
+            <a:extLst>
+              <a:ext uri="{FF2B5EF4-FFF2-40B4-BE49-F238E27FC236}">
+                <a16:creationId xmlns:a16="http://schemas.microsoft.com/office/drawing/2014/main" id="{E89BDCE6-5B1B-76FC-F42C-1BB83F391948}"/>
+              </a:ext>
+            </a:extLst>
+          </p:cNvPr>
+          <p:cNvPicPr>
+            <a:picLocks noChangeAspect="1"/>
+          </p:cNvPicPr>
+          <p:nvPr/>
+        </p:nvPicPr>
+        <p:blipFill>
+          <a:blip r:embed="rId4">
+            <a:extLst>
+              <a:ext uri="{28A0092B-C50C-407E-A947-70E740481C1C}">
+                <a14:useLocalDpi xmlns:a14="http://schemas.microsoft.com/office/drawing/2010/main" val="0"/>
+              </a:ext>
+            </a:extLst>
+          </a:blip>
+          <a:stretch>
+            <a:fillRect/>
+          </a:stretch>
+        </p:blipFill>
+        <p:spPr>
+          <a:xfrm>
+            <a:off x="377668" y="4063630"/>
+            <a:ext cx="3531290" cy="2056976"/>
+          </a:xfrm>
+          <a:prstGeom prst="rect">
+            <a:avLst/>
+          </a:prstGeom>
+        </p:spPr>
+      </p:pic>
+      <p:pic>
+        <p:nvPicPr>
+          <p:cNvPr id="11" name="Picture 10" descr="Chart, scatter chart&#10;&#10;Description automatically generated">
+            <a:extLst>
+              <a:ext uri="{FF2B5EF4-FFF2-40B4-BE49-F238E27FC236}">
+                <a16:creationId xmlns:a16="http://schemas.microsoft.com/office/drawing/2014/main" id="{53EFE505-6F72-C2A7-7C55-EDB11AAE4282}"/>
+              </a:ext>
+            </a:extLst>
+          </p:cNvPr>
+          <p:cNvPicPr>
+            <a:picLocks noChangeAspect="1"/>
+          </p:cNvPicPr>
+          <p:nvPr/>
+        </p:nvPicPr>
+        <p:blipFill>
+          <a:blip r:embed="rId5">
+            <a:extLst>
+              <a:ext uri="{28A0092B-C50C-407E-A947-70E740481C1C}">
+                <a14:useLocalDpi xmlns:a14="http://schemas.microsoft.com/office/drawing/2010/main" val="0"/>
+              </a:ext>
+            </a:extLst>
+          </a:blip>
+          <a:stretch>
+            <a:fillRect/>
+          </a:stretch>
+        </p:blipFill>
+        <p:spPr>
+          <a:xfrm>
+            <a:off x="8323609" y="1834939"/>
+            <a:ext cx="3546510" cy="2056976"/>
+          </a:xfrm>
+          <a:prstGeom prst="rect">
+            <a:avLst/>
+          </a:prstGeom>
+        </p:spPr>
+      </p:pic>
+      <p:pic>
+        <p:nvPicPr>
+          <p:cNvPr id="13" name="Picture 12" descr="Table&#10;&#10;Description automatically generated with low confidence">
+            <a:extLst>
+              <a:ext uri="{FF2B5EF4-FFF2-40B4-BE49-F238E27FC236}">
+                <a16:creationId xmlns:a16="http://schemas.microsoft.com/office/drawing/2014/main" id="{87F58422-474D-4051-4BCE-237B3EEF1E6D}"/>
+              </a:ext>
+            </a:extLst>
+          </p:cNvPr>
+          <p:cNvPicPr>
+            <a:picLocks noChangeAspect="1"/>
+          </p:cNvPicPr>
+          <p:nvPr/>
+        </p:nvPicPr>
+        <p:blipFill>
+          <a:blip r:embed="rId6">
+            <a:extLst>
+              <a:ext uri="{28A0092B-C50C-407E-A947-70E740481C1C}">
+                <a14:useLocalDpi xmlns:a14="http://schemas.microsoft.com/office/drawing/2010/main" val="0"/>
+              </a:ext>
+            </a:extLst>
+          </a:blip>
+          <a:stretch>
+            <a:fillRect/>
+          </a:stretch>
+        </p:blipFill>
+        <p:spPr>
+          <a:xfrm>
+            <a:off x="8315932" y="4169943"/>
+            <a:ext cx="3561864" cy="2056976"/>
+          </a:xfrm>
+          <a:prstGeom prst="rect">
+            <a:avLst/>
+          </a:prstGeom>
+        </p:spPr>
+      </p:pic>
+      <p:pic>
+        <p:nvPicPr>
+          <p:cNvPr id="9" name="Picture 8" descr="A picture containing text, outdoor&#10;&#10;Description automatically generated">
+            <a:extLst>
+              <a:ext uri="{FF2B5EF4-FFF2-40B4-BE49-F238E27FC236}">
+                <a16:creationId xmlns:a16="http://schemas.microsoft.com/office/drawing/2014/main" id="{F316ADBA-4B3E-B972-1D7A-D44455710E40}"/>
+              </a:ext>
+            </a:extLst>
+          </p:cNvPr>
+          <p:cNvPicPr>
+            <a:picLocks noChangeAspect="1"/>
+          </p:cNvPicPr>
+          <p:nvPr/>
+        </p:nvPicPr>
+        <p:blipFill>
+          <a:blip r:embed="rId7">
+            <a:extLst>
+              <a:ext uri="{28A0092B-C50C-407E-A947-70E740481C1C}">
+                <a14:useLocalDpi xmlns:a14="http://schemas.microsoft.com/office/drawing/2010/main" val="0"/>
+              </a:ext>
+            </a:extLst>
+          </a:blip>
+          <a:stretch>
+            <a:fillRect/>
+          </a:stretch>
+        </p:blipFill>
+        <p:spPr>
+          <a:xfrm>
+            <a:off x="4355806" y="4063630"/>
+            <a:ext cx="3561864" cy="2056976"/>
+          </a:xfrm>
+          <a:prstGeom prst="rect">
+            <a:avLst/>
+          </a:prstGeom>
+        </p:spPr>
+      </p:pic>
+      <p:sp>
+        <p:nvSpPr>
+          <p:cNvPr id="16" name="TextBox 15">
+            <a:extLst>
+              <a:ext uri="{FF2B5EF4-FFF2-40B4-BE49-F238E27FC236}">
+                <a16:creationId xmlns:a16="http://schemas.microsoft.com/office/drawing/2014/main" id="{D2482F5A-835A-F5B2-0F55-E8228AD9662F}"/>
+              </a:ext>
+            </a:extLst>
+          </p:cNvPr>
+          <p:cNvSpPr txBox="1"/>
+          <p:nvPr/>
+        </p:nvSpPr>
+        <p:spPr>
+          <a:xfrm>
+            <a:off x="2867236" y="837244"/>
+            <a:ext cx="5620630" cy="646331"/>
+          </a:xfrm>
+          <a:prstGeom prst="rect">
+            <a:avLst/>
+          </a:prstGeom>
+          <a:noFill/>
+        </p:spPr>
+        <p:txBody>
+          <a:bodyPr wrap="square" rtlCol="0">
+            <a:spAutoFit/>
+          </a:bodyPr>
+          <a:lstStyle/>
+          <a:p>
+            <a:r>
+              <a:rPr lang="en-US" altLang="zh-CN" b="0" i="0" dirty="0">
+                <a:effectLst/>
+                <a:latin typeface="-apple-system"/>
+              </a:rPr>
+              <a:t>Only BA.4 does not have S704L mutation.</a:t>
+            </a:r>
+          </a:p>
+          <a:p>
+            <a:r>
+              <a:rPr lang="en-US" altLang="zh-CN" dirty="0">
+                <a:latin typeface="-apple-system"/>
+              </a:rPr>
+              <a:t>Different clades have same mutation -&gt; convergence</a:t>
+            </a:r>
+            <a:endParaRPr lang="zh-CN" altLang="en-US" dirty="0"/>
+          </a:p>
+        </p:txBody>
+      </p:sp>
+    </p:spTree>
+    <p:extLst>
+      <p:ext uri="{BB962C8B-B14F-4D97-AF65-F5344CB8AC3E}">
+        <p14:creationId xmlns:p14="http://schemas.microsoft.com/office/powerpoint/2010/main" val="1274615910"/>
+      </p:ext>
+    </p:extLst>
+  </p:cSld>
+  <p:clrMapOvr>
+    <a:masterClrMapping/>
+  </p:clrMapOvr>
+</p:sld>
+</file>
+
+<file path=ppt/slides/slide5.xml><?xml version="1.0" encoding="utf-8"?>
+<p:sld xmlns:a="http://schemas.openxmlformats.org/drawingml/2006/main" xmlns:r="http://schemas.openxmlformats.org/officeDocument/2006/relationships" xmlns:p="http://schemas.openxmlformats.org/presentationml/2006/main">
+  <p:cSld>
+    <p:bg>
+      <p:bgPr>
+        <a:solidFill>
+          <a:schemeClr val="bg1"/>
+        </a:solidFill>
+        <a:effectLst/>
+      </p:bgPr>
+    </p:bg>
+    <p:spTree>
+      <p:nvGrpSpPr>
+        <p:cNvPr id="1" name=""/>
+        <p:cNvGrpSpPr/>
+        <p:nvPr/>
+      </p:nvGrpSpPr>
+      <p:grpSpPr>
+        <a:xfrm>
+          <a:off x="0" y="0"/>
+          <a:ext cx="0" cy="0"/>
+          <a:chOff x="0" y="0"/>
+          <a:chExt cx="0" cy="0"/>
+        </a:xfrm>
+      </p:grpSpPr>
+      <p:sp useBgFill="1">
+        <p:nvSpPr>
+          <p:cNvPr id="20" name="Rectangle 19">
+            <a:extLst>
+              <a:ext uri="{FF2B5EF4-FFF2-40B4-BE49-F238E27FC236}">
+                <a16:creationId xmlns:a16="http://schemas.microsoft.com/office/drawing/2014/main" id="{33E72FA3-BD00-444A-AD9B-E6C3D069CDE3}"/>
+              </a:ext>
+              <a:ext uri="{C183D7F6-B498-43B3-948B-1728B52AA6E4}">
+                <adec:decorative xmlns:adec="http://schemas.microsoft.com/office/drawing/2017/decorative" val="1"/>
+              </a:ext>
+            </a:extLst>
+          </p:cNvPr>
+          <p:cNvSpPr>
+            <a:spLocks noGrp="1" noRot="1" noChangeAspect="1" noMove="1" noResize="1" noEditPoints="1" noAdjustHandles="1" noChangeArrowheads="1" noChangeShapeType="1" noTextEdit="1"/>
+          </p:cNvSpPr>
+          <p:nvPr>
+            <p:extLst>
+              <p:ext uri="{386F3935-93C4-4BCD-93E2-E3B085C9AB24}">
+                <p16:designElem xmlns:p16="http://schemas.microsoft.com/office/powerpoint/2015/main" val="1"/>
+              </p:ext>
+            </p:extLst>
+          </p:nvPr>
+        </p:nvSpPr>
+        <p:spPr>
+          <a:xfrm>
+            <a:off x="-50801" y="0"/>
+            <a:ext cx="12188952" cy="6858000"/>
+          </a:xfrm>
+          <a:prstGeom prst="rect">
+            <a:avLst/>
+          </a:prstGeom>
+          <a:ln>
+            <a:noFill/>
+          </a:ln>
+        </p:spPr>
+        <p:style>
+          <a:lnRef idx="2">
+            <a:schemeClr val="accent1">
+              <a:shade val="50000"/>
+            </a:schemeClr>
+          </a:lnRef>
+          <a:fillRef idx="1">
+            <a:schemeClr val="accent1"/>
+          </a:fillRef>
+          <a:effectRef idx="0">
+            <a:schemeClr val="accent1"/>
+          </a:effectRef>
+          <a:fontRef idx="minor">
+            <a:schemeClr val="lt1"/>
+          </a:fontRef>
+        </p:style>
+        <p:txBody>
+          <a:bodyPr rtlCol="0" anchor="ctr"/>
+          <a:lstStyle/>
+          <a:p>
+            <a:pPr algn="ctr"/>
+            <a:endParaRPr lang="en-US"/>
+          </a:p>
+        </p:txBody>
+      </p:sp>
+      <p:sp>
+        <p:nvSpPr>
+          <p:cNvPr id="2" name="Title 1">
+            <a:extLst>
+              <a:ext uri="{FF2B5EF4-FFF2-40B4-BE49-F238E27FC236}">
                 <a16:creationId xmlns:a16="http://schemas.microsoft.com/office/drawing/2014/main" id="{81D2C2A1-EF72-750D-0B0A-14239AD288EB}"/>
               </a:ext>
             </a:extLst>
@@ -4499,7 +4566,7 @@
 </p:sld>
 </file>
 
-<file path=ppt/slides/slide5.xml><?xml version="1.0" encoding="utf-8"?>
+<file path=ppt/slides/slide6.xml><?xml version="1.0" encoding="utf-8"?>
 <p:sld xmlns:a="http://schemas.openxmlformats.org/drawingml/2006/main" xmlns:r="http://schemas.openxmlformats.org/officeDocument/2006/relationships" xmlns:p="http://schemas.openxmlformats.org/presentationml/2006/main">
   <p:cSld>
     <p:bg>
@@ -4556,7 +4623,7 @@
           <a:lstStyle/>
           <a:p>
             <a:r>
-              <a:rPr lang="en-US" altLang="zh-CN" sz="3600" kern="1200">
+              <a:rPr lang="en-US" altLang="zh-CN" sz="3600" kern="1200" dirty="0">
                 <a:latin typeface="+mj-lt"/>
                 <a:ea typeface="+mj-ea"/>
                 <a:cs typeface="+mj-cs"/>
@@ -4768,7 +4835,7 @@
         </p:blipFill>
         <p:spPr>
           <a:xfrm>
-            <a:off x="-3" y="0"/>
+            <a:off x="91435" y="-16426"/>
             <a:ext cx="3719752" cy="2250607"/>
           </a:xfrm>
           <a:prstGeom prst="rect">
@@ -4962,7 +5029,7 @@
 </p:sld>
 </file>
 
-<file path=ppt/slides/slide6.xml><?xml version="1.0" encoding="utf-8"?>
+<file path=ppt/slides/slide7.xml><?xml version="1.0" encoding="utf-8"?>
 <p:sld xmlns:a="http://schemas.openxmlformats.org/drawingml/2006/main" xmlns:r="http://schemas.openxmlformats.org/officeDocument/2006/relationships" xmlns:p="http://schemas.openxmlformats.org/presentationml/2006/main">
   <p:cSld>
     <p:spTree>
@@ -5271,7 +5338,7 @@
 </p:sld>
 </file>
 
-<file path=ppt/slides/slide7.xml><?xml version="1.0" encoding="utf-8"?>
+<file path=ppt/slides/slide8.xml><?xml version="1.0" encoding="utf-8"?>
 <p:sld xmlns:a="http://schemas.openxmlformats.org/drawingml/2006/main" xmlns:r="http://schemas.openxmlformats.org/officeDocument/2006/relationships" xmlns:p="http://schemas.openxmlformats.org/presentationml/2006/main">
   <p:cSld>
     <p:bg>
@@ -5318,7 +5385,7 @@
         <p:spPr>
           <a:xfrm>
             <a:off x="8017254" y="525439"/>
-            <a:ext cx="3336545" cy="1657614"/>
+            <a:ext cx="3719752" cy="1657614"/>
           </a:xfrm>
         </p:spPr>
         <p:txBody>
@@ -5564,7 +5631,7 @@
         <p:spPr>
           <a:xfrm>
             <a:off x="8017254" y="2274491"/>
-            <a:ext cx="3336546" cy="3902472"/>
+            <a:ext cx="3772224" cy="3902472"/>
           </a:xfrm>
         </p:spPr>
         <p:txBody>
@@ -5573,7 +5640,33 @@
           </a:bodyPr>
           <a:lstStyle/>
           <a:p>
-            <a:endParaRPr lang="en-US" sz="2000"/>
+            <a:r>
+              <a:rPr lang="en-US" sz="2000" dirty="0"/>
+              <a:t>P3395H and L452R rise again in BA5.2.1</a:t>
+            </a:r>
+          </a:p>
+          <a:p>
+            <a:endParaRPr lang="en-US" sz="2000" dirty="0"/>
+          </a:p>
+          <a:p>
+            <a:r>
+              <a:rPr lang="en-US" sz="2000" dirty="0"/>
+              <a:t>Q: Can I focus on the growth advantage: </a:t>
+            </a:r>
+            <a:r>
+              <a:rPr lang="en-US" sz="2000" dirty="0" err="1"/>
+              <a:t>fx</a:t>
+            </a:r>
+            <a:r>
+              <a:rPr lang="en-US" sz="2000" dirty="0"/>
+              <a:t>. BA5.2.1 + some variant comparing to BA5.2.1</a:t>
+            </a:r>
+          </a:p>
+          <a:p>
+            <a:r>
+              <a:rPr lang="en-US" sz="2000" dirty="0"/>
+              <a:t>Q: What is the avg mutation rate? In different clades, is this number increasing?</a:t>
+            </a:r>
           </a:p>
         </p:txBody>
       </p:sp>
@@ -5586,6 +5679,271 @@
   </p:cSld>
   <p:clrMapOvr>
     <a:overrideClrMapping bg1="dk1" tx1="lt1" bg2="dk2" tx2="lt2" accent1="accent1" accent2="accent2" accent3="accent3" accent4="accent4" accent5="accent5" accent6="accent6" hlink="hlink" folHlink="folHlink"/>
+  </p:clrMapOvr>
+</p:sld>
+</file>
+
+<file path=ppt/slides/slide9.xml><?xml version="1.0" encoding="utf-8"?>
+<p:sld xmlns:a="http://schemas.openxmlformats.org/drawingml/2006/main" xmlns:r="http://schemas.openxmlformats.org/officeDocument/2006/relationships" xmlns:p="http://schemas.openxmlformats.org/presentationml/2006/main">
+  <p:cSld>
+    <p:spTree>
+      <p:nvGrpSpPr>
+        <p:cNvPr id="1" name=""/>
+        <p:cNvGrpSpPr/>
+        <p:nvPr/>
+      </p:nvGrpSpPr>
+      <p:grpSpPr>
+        <a:xfrm>
+          <a:off x="0" y="0"/>
+          <a:ext cx="0" cy="0"/>
+          <a:chOff x="0" y="0"/>
+          <a:chExt cx="0" cy="0"/>
+        </a:xfrm>
+      </p:grpSpPr>
+      <p:sp>
+        <p:nvSpPr>
+          <p:cNvPr id="2" name="Title 1">
+            <a:extLst>
+              <a:ext uri="{FF2B5EF4-FFF2-40B4-BE49-F238E27FC236}">
+                <a16:creationId xmlns:a16="http://schemas.microsoft.com/office/drawing/2014/main" id="{5929EA46-AAC8-AD34-9D4E-2D8386C7CB2E}"/>
+              </a:ext>
+            </a:extLst>
+          </p:cNvPr>
+          <p:cNvSpPr>
+            <a:spLocks noGrp="1"/>
+          </p:cNvSpPr>
+          <p:nvPr>
+            <p:ph type="title"/>
+          </p:nvPr>
+        </p:nvSpPr>
+        <p:spPr/>
+        <p:txBody>
+          <a:bodyPr/>
+          <a:lstStyle/>
+          <a:p>
+            <a:r>
+              <a:rPr lang="en-US" altLang="zh-CN" dirty="0"/>
+              <a:t>Reference</a:t>
+            </a:r>
+            <a:endParaRPr lang="zh-CN" altLang="en-US" dirty="0"/>
+          </a:p>
+        </p:txBody>
+      </p:sp>
+      <p:sp>
+        <p:nvSpPr>
+          <p:cNvPr id="3" name="Content Placeholder 2">
+            <a:extLst>
+              <a:ext uri="{FF2B5EF4-FFF2-40B4-BE49-F238E27FC236}">
+                <a16:creationId xmlns:a16="http://schemas.microsoft.com/office/drawing/2014/main" id="{39A7BA8A-BC11-E020-98CD-6ED75209303D}"/>
+              </a:ext>
+            </a:extLst>
+          </p:cNvPr>
+          <p:cNvSpPr>
+            <a:spLocks noGrp="1"/>
+          </p:cNvSpPr>
+          <p:nvPr>
+            <p:ph idx="1"/>
+          </p:nvPr>
+        </p:nvSpPr>
+        <p:spPr/>
+        <p:txBody>
+          <a:bodyPr/>
+          <a:lstStyle/>
+          <a:p>
+            <a:r>
+              <a:rPr lang="en-US" altLang="zh-CN" b="0" i="0" dirty="0">
+                <a:solidFill>
+                  <a:srgbClr val="222222"/>
+                </a:solidFill>
+                <a:effectLst/>
+                <a:latin typeface="-apple-system"/>
+              </a:rPr>
+              <a:t>Zhang, Y., Zhang, T., Fang, Y. </a:t>
+            </a:r>
+            <a:r>
+              <a:rPr lang="en-US" altLang="zh-CN" b="0" i="1" dirty="0">
+                <a:solidFill>
+                  <a:srgbClr val="222222"/>
+                </a:solidFill>
+                <a:effectLst/>
+                <a:latin typeface="-apple-system"/>
+              </a:rPr>
+              <a:t>et al.</a:t>
+            </a:r>
+            <a:r>
+              <a:rPr lang="en-US" altLang="zh-CN" b="0" i="0" dirty="0">
+                <a:solidFill>
+                  <a:srgbClr val="222222"/>
+                </a:solidFill>
+                <a:effectLst/>
+                <a:latin typeface="-apple-system"/>
+              </a:rPr>
+              <a:t> SARS-CoV-2 spike L452R mutation increases Omicron variant </a:t>
+            </a:r>
+            <a:r>
+              <a:rPr lang="en-US" altLang="zh-CN" b="0" i="0" dirty="0" err="1">
+                <a:solidFill>
+                  <a:srgbClr val="222222"/>
+                </a:solidFill>
+                <a:effectLst/>
+                <a:latin typeface="-apple-system"/>
+              </a:rPr>
+              <a:t>fusogenicity</a:t>
+            </a:r>
+            <a:r>
+              <a:rPr lang="en-US" altLang="zh-CN" b="0" i="0" dirty="0">
+                <a:solidFill>
+                  <a:srgbClr val="222222"/>
+                </a:solidFill>
+                <a:effectLst/>
+                <a:latin typeface="-apple-system"/>
+              </a:rPr>
+              <a:t> and infectivity as well as host glycolysis. </a:t>
+            </a:r>
+            <a:r>
+              <a:rPr lang="en-US" altLang="zh-CN" b="0" i="1" dirty="0">
+                <a:solidFill>
+                  <a:srgbClr val="222222"/>
+                </a:solidFill>
+                <a:effectLst/>
+                <a:latin typeface="-apple-system"/>
+              </a:rPr>
+              <a:t>Sig </a:t>
+            </a:r>
+            <a:r>
+              <a:rPr lang="en-US" altLang="zh-CN" b="0" i="1" dirty="0" err="1">
+                <a:solidFill>
+                  <a:srgbClr val="222222"/>
+                </a:solidFill>
+                <a:effectLst/>
+                <a:latin typeface="-apple-system"/>
+              </a:rPr>
+              <a:t>Transduct</a:t>
+            </a:r>
+            <a:r>
+              <a:rPr lang="en-US" altLang="zh-CN" b="0" i="1" dirty="0">
+                <a:solidFill>
+                  <a:srgbClr val="222222"/>
+                </a:solidFill>
+                <a:effectLst/>
+                <a:latin typeface="-apple-system"/>
+              </a:rPr>
+              <a:t> Target </a:t>
+            </a:r>
+            <a:r>
+              <a:rPr lang="en-US" altLang="zh-CN" b="0" i="1" dirty="0" err="1">
+                <a:solidFill>
+                  <a:srgbClr val="222222"/>
+                </a:solidFill>
+                <a:effectLst/>
+                <a:latin typeface="-apple-system"/>
+              </a:rPr>
+              <a:t>Ther</a:t>
+            </a:r>
+            <a:r>
+              <a:rPr lang="en-US" altLang="zh-CN" b="0" i="0" dirty="0">
+                <a:solidFill>
+                  <a:srgbClr val="222222"/>
+                </a:solidFill>
+                <a:effectLst/>
+                <a:latin typeface="-apple-system"/>
+              </a:rPr>
+              <a:t> </a:t>
+            </a:r>
+            <a:r>
+              <a:rPr lang="en-US" altLang="zh-CN" b="1" i="0" dirty="0">
+                <a:solidFill>
+                  <a:srgbClr val="222222"/>
+                </a:solidFill>
+                <a:effectLst/>
+                <a:latin typeface="-apple-system"/>
+              </a:rPr>
+              <a:t>7</a:t>
+            </a:r>
+            <a:r>
+              <a:rPr lang="en-US" altLang="zh-CN" b="0" i="0" dirty="0">
+                <a:solidFill>
+                  <a:srgbClr val="222222"/>
+                </a:solidFill>
+                <a:effectLst/>
+                <a:latin typeface="-apple-system"/>
+              </a:rPr>
+              <a:t>, 76 (2022). </a:t>
+            </a:r>
+          </a:p>
+          <a:p>
+            <a:r>
+              <a:rPr lang="en-US" altLang="zh-CN" dirty="0">
+                <a:hlinkClick r:id="rId2"/>
+              </a:rPr>
+              <a:t>COVID Data Tracker Weekly Review | CDC</a:t>
+            </a:r>
+            <a:endParaRPr lang="en-US" altLang="zh-CN" dirty="0"/>
+          </a:p>
+          <a:p>
+            <a:r>
+              <a:rPr lang="en-US" altLang="zh-CN" b="0" i="0" dirty="0" err="1">
+                <a:solidFill>
+                  <a:srgbClr val="333333"/>
+                </a:solidFill>
+                <a:effectLst/>
+                <a:latin typeface="Helvetica Neue"/>
+              </a:rPr>
+              <a:t>bioRxiv</a:t>
+            </a:r>
+            <a:r>
+              <a:rPr lang="en-US" altLang="zh-CN" b="0" i="0" dirty="0">
+                <a:solidFill>
+                  <a:srgbClr val="333333"/>
+                </a:solidFill>
+                <a:effectLst/>
+                <a:latin typeface="Helvetica Neue"/>
+              </a:rPr>
+              <a:t> 2022.09.15.507787; </a:t>
+            </a:r>
+            <a:r>
+              <a:rPr lang="en-US" altLang="zh-CN" b="0" i="0" dirty="0" err="1">
+                <a:solidFill>
+                  <a:srgbClr val="333333"/>
+                </a:solidFill>
+                <a:effectLst/>
+                <a:latin typeface="inherit"/>
+              </a:rPr>
+              <a:t>doi</a:t>
+            </a:r>
+            <a:r>
+              <a:rPr lang="en-US" altLang="zh-CN" b="0" i="0" dirty="0">
+                <a:solidFill>
+                  <a:srgbClr val="333333"/>
+                </a:solidFill>
+                <a:effectLst/>
+                <a:latin typeface="inherit"/>
+              </a:rPr>
+              <a:t>:</a:t>
+            </a:r>
+            <a:r>
+              <a:rPr lang="en-US" altLang="zh-CN" b="0" i="0" dirty="0">
+                <a:solidFill>
+                  <a:srgbClr val="333333"/>
+                </a:solidFill>
+                <a:effectLst/>
+                <a:latin typeface="Helvetica Neue"/>
+              </a:rPr>
+              <a:t> https://doi.org/10.1101/2022.09.15.507787</a:t>
+            </a:r>
+            <a:endParaRPr lang="zh-CN" altLang="en-US" dirty="0"/>
+          </a:p>
+        </p:txBody>
+      </p:sp>
+    </p:spTree>
+    <p:extLst>
+      <p:ext uri="{BB962C8B-B14F-4D97-AF65-F5344CB8AC3E}">
+        <p14:creationId xmlns:p14="http://schemas.microsoft.com/office/powerpoint/2010/main" val="629865438"/>
+      </p:ext>
+    </p:extLst>
+  </p:cSld>
+  <p:clrMapOvr>
+    <a:masterClrMapping/>
   </p:clrMapOvr>
 </p:sld>
 </file>
